--- a/EFI/Bootloader/Settings/resolution/BannerEditor_1024x768.pptx
+++ b/EFI/Bootloader/Settings/resolution/BannerEditor_1024x768.pptx
@@ -2,7 +2,7 @@
 <file path=ppt/presentation.xml><?xml version="1.0" encoding="utf-8"?>
 <p:presentation xmlns:a="http://schemas.openxmlformats.org/drawingml/2006/main" xmlns:r="http://schemas.openxmlformats.org/officeDocument/2006/relationships" xmlns:p="http://schemas.openxmlformats.org/presentationml/2006/main" saveSubsetFonts="1">
   <p:sldMasterIdLst>
-    <p:sldMasterId id="2147483708" r:id="rId1"/>
+    <p:sldMasterId id="2147483732" r:id="rId1"/>
   </p:sldMasterIdLst>
   <p:sldIdLst>
     <p:sldId id="256" r:id="rId2"/>
@@ -254,7 +254,7 @@
           <a:p>
             <a:fld id="{C07FA1C5-4E88-460E-ADE5-BF3AC8D5E403}" type="datetimeFigureOut">
               <a:rPr lang="zh-CN" altLang="en-US" smtClean="0"/>
-              <a:t>2023-1-9</a:t>
+              <a:t>2023-1-21</a:t>
             </a:fld>
             <a:endParaRPr lang="zh-CN" altLang="en-US"/>
           </a:p>
@@ -305,7 +305,7 @@
     </p:spTree>
     <p:extLst>
       <p:ext uri="{BB962C8B-B14F-4D97-AF65-F5344CB8AC3E}">
-        <p14:creationId xmlns:p14="http://schemas.microsoft.com/office/powerpoint/2010/main" val="3438728604"/>
+        <p14:creationId xmlns:p14="http://schemas.microsoft.com/office/powerpoint/2010/main" val="4187591206"/>
       </p:ext>
     </p:extLst>
   </p:cSld>
@@ -424,7 +424,7 @@
           <a:p>
             <a:fld id="{C07FA1C5-4E88-460E-ADE5-BF3AC8D5E403}" type="datetimeFigureOut">
               <a:rPr lang="zh-CN" altLang="en-US" smtClean="0"/>
-              <a:t>2023-1-9</a:t>
+              <a:t>2023-1-21</a:t>
             </a:fld>
             <a:endParaRPr lang="zh-CN" altLang="en-US"/>
           </a:p>
@@ -475,7 +475,7 @@
     </p:spTree>
     <p:extLst>
       <p:ext uri="{BB962C8B-B14F-4D97-AF65-F5344CB8AC3E}">
-        <p14:creationId xmlns:p14="http://schemas.microsoft.com/office/powerpoint/2010/main" val="4293251143"/>
+        <p14:creationId xmlns:p14="http://schemas.microsoft.com/office/powerpoint/2010/main" val="215852559"/>
       </p:ext>
     </p:extLst>
   </p:cSld>
@@ -604,7 +604,7 @@
           <a:p>
             <a:fld id="{C07FA1C5-4E88-460E-ADE5-BF3AC8D5E403}" type="datetimeFigureOut">
               <a:rPr lang="zh-CN" altLang="en-US" smtClean="0"/>
-              <a:t>2023-1-9</a:t>
+              <a:t>2023-1-21</a:t>
             </a:fld>
             <a:endParaRPr lang="zh-CN" altLang="en-US"/>
           </a:p>
@@ -655,7 +655,7 @@
     </p:spTree>
     <p:extLst>
       <p:ext uri="{BB962C8B-B14F-4D97-AF65-F5344CB8AC3E}">
-        <p14:creationId xmlns:p14="http://schemas.microsoft.com/office/powerpoint/2010/main" val="3818833501"/>
+        <p14:creationId xmlns:p14="http://schemas.microsoft.com/office/powerpoint/2010/main" val="3016323493"/>
       </p:ext>
     </p:extLst>
   </p:cSld>
@@ -774,7 +774,7 @@
           <a:p>
             <a:fld id="{C07FA1C5-4E88-460E-ADE5-BF3AC8D5E403}" type="datetimeFigureOut">
               <a:rPr lang="zh-CN" altLang="en-US" smtClean="0"/>
-              <a:t>2023-1-9</a:t>
+              <a:t>2023-1-21</a:t>
             </a:fld>
             <a:endParaRPr lang="zh-CN" altLang="en-US"/>
           </a:p>
@@ -825,7 +825,7 @@
     </p:spTree>
     <p:extLst>
       <p:ext uri="{BB962C8B-B14F-4D97-AF65-F5344CB8AC3E}">
-        <p14:creationId xmlns:p14="http://schemas.microsoft.com/office/powerpoint/2010/main" val="1130939754"/>
+        <p14:creationId xmlns:p14="http://schemas.microsoft.com/office/powerpoint/2010/main" val="238455544"/>
       </p:ext>
     </p:extLst>
   </p:cSld>
@@ -1018,7 +1018,7 @@
           <a:p>
             <a:fld id="{C07FA1C5-4E88-460E-ADE5-BF3AC8D5E403}" type="datetimeFigureOut">
               <a:rPr lang="zh-CN" altLang="en-US" smtClean="0"/>
-              <a:t>2023-1-9</a:t>
+              <a:t>2023-1-21</a:t>
             </a:fld>
             <a:endParaRPr lang="zh-CN" altLang="en-US"/>
           </a:p>
@@ -1069,7 +1069,7 @@
     </p:spTree>
     <p:extLst>
       <p:ext uri="{BB962C8B-B14F-4D97-AF65-F5344CB8AC3E}">
-        <p14:creationId xmlns:p14="http://schemas.microsoft.com/office/powerpoint/2010/main" val="1871265690"/>
+        <p14:creationId xmlns:p14="http://schemas.microsoft.com/office/powerpoint/2010/main" val="1623045813"/>
       </p:ext>
     </p:extLst>
   </p:cSld>
@@ -1250,7 +1250,7 @@
           <a:p>
             <a:fld id="{C07FA1C5-4E88-460E-ADE5-BF3AC8D5E403}" type="datetimeFigureOut">
               <a:rPr lang="zh-CN" altLang="en-US" smtClean="0"/>
-              <a:t>2023-1-9</a:t>
+              <a:t>2023-1-21</a:t>
             </a:fld>
             <a:endParaRPr lang="zh-CN" altLang="en-US"/>
           </a:p>
@@ -1301,7 +1301,7 @@
     </p:spTree>
     <p:extLst>
       <p:ext uri="{BB962C8B-B14F-4D97-AF65-F5344CB8AC3E}">
-        <p14:creationId xmlns:p14="http://schemas.microsoft.com/office/powerpoint/2010/main" val="2468466298"/>
+        <p14:creationId xmlns:p14="http://schemas.microsoft.com/office/powerpoint/2010/main" val="3600074471"/>
       </p:ext>
     </p:extLst>
   </p:cSld>
@@ -1617,7 +1617,7 @@
           <a:p>
             <a:fld id="{C07FA1C5-4E88-460E-ADE5-BF3AC8D5E403}" type="datetimeFigureOut">
               <a:rPr lang="zh-CN" altLang="en-US" smtClean="0"/>
-              <a:t>2023-1-9</a:t>
+              <a:t>2023-1-21</a:t>
             </a:fld>
             <a:endParaRPr lang="zh-CN" altLang="en-US"/>
           </a:p>
@@ -1668,7 +1668,7 @@
     </p:spTree>
     <p:extLst>
       <p:ext uri="{BB962C8B-B14F-4D97-AF65-F5344CB8AC3E}">
-        <p14:creationId xmlns:p14="http://schemas.microsoft.com/office/powerpoint/2010/main" val="596550454"/>
+        <p14:creationId xmlns:p14="http://schemas.microsoft.com/office/powerpoint/2010/main" val="1208504677"/>
       </p:ext>
     </p:extLst>
   </p:cSld>
@@ -1735,7 +1735,7 @@
           <a:p>
             <a:fld id="{C07FA1C5-4E88-460E-ADE5-BF3AC8D5E403}" type="datetimeFigureOut">
               <a:rPr lang="zh-CN" altLang="en-US" smtClean="0"/>
-              <a:t>2023-1-9</a:t>
+              <a:t>2023-1-21</a:t>
             </a:fld>
             <a:endParaRPr lang="zh-CN" altLang="en-US"/>
           </a:p>
@@ -1786,7 +1786,7 @@
     </p:spTree>
     <p:extLst>
       <p:ext uri="{BB962C8B-B14F-4D97-AF65-F5344CB8AC3E}">
-        <p14:creationId xmlns:p14="http://schemas.microsoft.com/office/powerpoint/2010/main" val="277510798"/>
+        <p14:creationId xmlns:p14="http://schemas.microsoft.com/office/powerpoint/2010/main" val="1604249610"/>
       </p:ext>
     </p:extLst>
   </p:cSld>
@@ -1830,7 +1830,7 @@
           <a:p>
             <a:fld id="{C07FA1C5-4E88-460E-ADE5-BF3AC8D5E403}" type="datetimeFigureOut">
               <a:rPr lang="zh-CN" altLang="en-US" smtClean="0"/>
-              <a:t>2023-1-9</a:t>
+              <a:t>2023-1-21</a:t>
             </a:fld>
             <a:endParaRPr lang="zh-CN" altLang="en-US"/>
           </a:p>
@@ -1881,7 +1881,7 @@
     </p:spTree>
     <p:extLst>
       <p:ext uri="{BB962C8B-B14F-4D97-AF65-F5344CB8AC3E}">
-        <p14:creationId xmlns:p14="http://schemas.microsoft.com/office/powerpoint/2010/main" val="3784607665"/>
+        <p14:creationId xmlns:p14="http://schemas.microsoft.com/office/powerpoint/2010/main" val="3683405324"/>
       </p:ext>
     </p:extLst>
   </p:cSld>
@@ -2107,7 +2107,7 @@
           <a:p>
             <a:fld id="{C07FA1C5-4E88-460E-ADE5-BF3AC8D5E403}" type="datetimeFigureOut">
               <a:rPr lang="zh-CN" altLang="en-US" smtClean="0"/>
-              <a:t>2023-1-9</a:t>
+              <a:t>2023-1-21</a:t>
             </a:fld>
             <a:endParaRPr lang="zh-CN" altLang="en-US"/>
           </a:p>
@@ -2158,7 +2158,7 @@
     </p:spTree>
     <p:extLst>
       <p:ext uri="{BB962C8B-B14F-4D97-AF65-F5344CB8AC3E}">
-        <p14:creationId xmlns:p14="http://schemas.microsoft.com/office/powerpoint/2010/main" val="3955153914"/>
+        <p14:creationId xmlns:p14="http://schemas.microsoft.com/office/powerpoint/2010/main" val="2270437997"/>
       </p:ext>
     </p:extLst>
   </p:cSld>
@@ -2364,7 +2364,7 @@
           <a:p>
             <a:fld id="{C07FA1C5-4E88-460E-ADE5-BF3AC8D5E403}" type="datetimeFigureOut">
               <a:rPr lang="zh-CN" altLang="en-US" smtClean="0"/>
-              <a:t>2023-1-9</a:t>
+              <a:t>2023-1-21</a:t>
             </a:fld>
             <a:endParaRPr lang="zh-CN" altLang="en-US"/>
           </a:p>
@@ -2415,7 +2415,7 @@
     </p:spTree>
     <p:extLst>
       <p:ext uri="{BB962C8B-B14F-4D97-AF65-F5344CB8AC3E}">
-        <p14:creationId xmlns:p14="http://schemas.microsoft.com/office/powerpoint/2010/main" val="2472730278"/>
+        <p14:creationId xmlns:p14="http://schemas.microsoft.com/office/powerpoint/2010/main" val="2238155849"/>
       </p:ext>
     </p:extLst>
   </p:cSld>
@@ -2577,7 +2577,7 @@
           <a:p>
             <a:fld id="{C07FA1C5-4E88-460E-ADE5-BF3AC8D5E403}" type="datetimeFigureOut">
               <a:rPr lang="zh-CN" altLang="en-US" smtClean="0"/>
-              <a:t>2023-1-9</a:t>
+              <a:t>2023-1-21</a:t>
             </a:fld>
             <a:endParaRPr lang="zh-CN" altLang="en-US"/>
           </a:p>
@@ -2664,23 +2664,23 @@
     </p:spTree>
     <p:extLst>
       <p:ext uri="{BB962C8B-B14F-4D97-AF65-F5344CB8AC3E}">
-        <p14:creationId xmlns:p14="http://schemas.microsoft.com/office/powerpoint/2010/main" val="1748650179"/>
+        <p14:creationId xmlns:p14="http://schemas.microsoft.com/office/powerpoint/2010/main" val="212311421"/>
       </p:ext>
     </p:extLst>
   </p:cSld>
   <p:clrMap bg1="lt1" tx1="dk1" bg2="lt2" tx2="dk2" accent1="accent1" accent2="accent2" accent3="accent3" accent4="accent4" accent5="accent5" accent6="accent6" hlink="hlink" folHlink="folHlink"/>
   <p:sldLayoutIdLst>
-    <p:sldLayoutId id="2147483709" r:id="rId1"/>
-    <p:sldLayoutId id="2147483710" r:id="rId2"/>
-    <p:sldLayoutId id="2147483711" r:id="rId3"/>
-    <p:sldLayoutId id="2147483712" r:id="rId4"/>
-    <p:sldLayoutId id="2147483713" r:id="rId5"/>
-    <p:sldLayoutId id="2147483714" r:id="rId6"/>
-    <p:sldLayoutId id="2147483715" r:id="rId7"/>
-    <p:sldLayoutId id="2147483716" r:id="rId8"/>
-    <p:sldLayoutId id="2147483717" r:id="rId9"/>
-    <p:sldLayoutId id="2147483718" r:id="rId10"/>
-    <p:sldLayoutId id="2147483719" r:id="rId11"/>
+    <p:sldLayoutId id="2147483733" r:id="rId1"/>
+    <p:sldLayoutId id="2147483734" r:id="rId2"/>
+    <p:sldLayoutId id="2147483735" r:id="rId3"/>
+    <p:sldLayoutId id="2147483736" r:id="rId4"/>
+    <p:sldLayoutId id="2147483737" r:id="rId5"/>
+    <p:sldLayoutId id="2147483738" r:id="rId6"/>
+    <p:sldLayoutId id="2147483739" r:id="rId7"/>
+    <p:sldLayoutId id="2147483740" r:id="rId8"/>
+    <p:sldLayoutId id="2147483741" r:id="rId9"/>
+    <p:sldLayoutId id="2147483742" r:id="rId10"/>
+    <p:sldLayoutId id="2147483743" r:id="rId11"/>
   </p:sldLayoutIdLst>
   <p:txStyles>
     <p:titleStyle>
@@ -3004,8 +3004,8 @@
         </p:nvSpPr>
         <p:spPr>
           <a:xfrm>
-            <a:off x="2712908" y="624511"/>
-            <a:ext cx="4327786" cy="554002"/>
+            <a:off x="1922276" y="786233"/>
+            <a:ext cx="5917850" cy="600144"/>
           </a:xfrm>
           <a:prstGeom prst="rect">
             <a:avLst/>
@@ -3013,14 +3013,14 @@
           <a:noFill/>
         </p:spPr>
         <p:txBody>
-          <a:bodyPr wrap="none" lIns="60959" tIns="30482" rIns="60959" bIns="30482">
+          <a:bodyPr wrap="square" lIns="45697" tIns="22850" rIns="45697" bIns="22850">
             <a:spAutoFit/>
           </a:bodyPr>
           <a:lstStyle/>
           <a:p>
             <a:pPr algn="ctr"/>
             <a:r>
-              <a:rPr lang="en-US" altLang="zh-CN" sz="3200" dirty="0">
+              <a:rPr lang="en-US" altLang="zh-CN" sz="3600" dirty="0">
                 <a:ln w="0"/>
                 <a:effectLst>
                   <a:outerShdw blurRad="38100" dist="19050" dir="2700000" algn="tl" rotWithShape="0">
@@ -3034,7 +3034,7 @@
               <a:t>Bootloader </a:t>
             </a:r>
             <a:r>
-              <a:rPr lang="en-US" altLang="zh-CN" sz="3200" dirty="0">
+              <a:rPr lang="en-US" altLang="zh-CN" sz="3600" dirty="0">
                 <a:ln w="0"/>
                 <a:solidFill>
                   <a:srgbClr val="006BC6"/>
@@ -3051,7 +3051,7 @@
               <a:t>for</a:t>
             </a:r>
             <a:r>
-              <a:rPr lang="en-US" altLang="zh-CN" sz="3200" dirty="0">
+              <a:rPr lang="en-US" altLang="zh-CN" sz="3600" dirty="0">
                 <a:ln w="0"/>
                 <a:effectLst>
                   <a:outerShdw blurRad="38100" dist="19050" dir="2700000" algn="tl" rotWithShape="0">
@@ -3065,7 +3065,7 @@
               <a:t> </a:t>
             </a:r>
             <a:r>
-              <a:rPr lang="en-US" altLang="zh-CN" sz="3200" dirty="0" err="1">
+              <a:rPr lang="en-US" altLang="zh-CN" sz="3600" dirty="0" err="1">
                 <a:ln w="0"/>
                 <a:effectLst>
                   <a:outerShdw blurRad="38100" dist="19050" dir="2700000" algn="tl" rotWithShape="0">
@@ -3078,7 +3078,7 @@
               </a:rPr>
               <a:t>BlissOS</a:t>
             </a:r>
-            <a:endParaRPr lang="zh-CN" altLang="en-US" sz="3200" dirty="0">
+            <a:endParaRPr lang="zh-CN" altLang="en-US" sz="3600" dirty="0">
               <a:ln w="0"/>
               <a:effectLst>
                 <a:outerShdw blurRad="38100" dist="19050" dir="2700000" algn="tl" rotWithShape="0">
@@ -3092,12 +3092,48 @@
           </a:p>
         </p:txBody>
       </p:sp>
+      <p:pic>
+        <p:nvPicPr>
+          <p:cNvPr id="7" name="图片 6">
+            <a:extLst>
+              <a:ext uri="{FF2B5EF4-FFF2-40B4-BE49-F238E27FC236}">
+                <a16:creationId xmlns:a16="http://schemas.microsoft.com/office/drawing/2014/main" id="{47313D01-4DE3-6AE9-1304-8B849DB13C0F}"/>
+              </a:ext>
+            </a:extLst>
+          </p:cNvPr>
+          <p:cNvPicPr>
+            <a:picLocks noChangeAspect="1"/>
+          </p:cNvPicPr>
+          <p:nvPr/>
+        </p:nvPicPr>
+        <p:blipFill>
+          <a:blip r:embed="rId2">
+            <a:extLst>
+              <a:ext uri="{28A0092B-C50C-407E-A947-70E740481C1C}">
+                <a14:useLocalDpi xmlns:a14="http://schemas.microsoft.com/office/drawing/2010/main" val="0"/>
+              </a:ext>
+            </a:extLst>
+          </a:blip>
+          <a:stretch>
+            <a:fillRect/>
+          </a:stretch>
+        </p:blipFill>
+        <p:spPr>
+          <a:xfrm>
+            <a:off x="7717365" y="462196"/>
+            <a:ext cx="1248217" cy="1248217"/>
+          </a:xfrm>
+          <a:prstGeom prst="rect">
+            <a:avLst/>
+          </a:prstGeom>
+        </p:spPr>
+      </p:pic>
       <p:grpSp>
         <p:nvGrpSpPr>
-          <p:cNvPr id="12" name="组合 11">
+          <p:cNvPr id="2" name="组合 1">
             <a:extLst>
               <a:ext uri="{FF2B5EF4-FFF2-40B4-BE49-F238E27FC236}">
-                <a16:creationId xmlns:a16="http://schemas.microsoft.com/office/drawing/2014/main" id="{212CEDFF-168E-6D92-649E-C0533745EDB2}"/>
+                <a16:creationId xmlns:a16="http://schemas.microsoft.com/office/drawing/2014/main" id="{51746F8A-6CAD-5D2A-D14F-0ADF39A4CF49}"/>
               </a:ext>
             </a:extLst>
           </p:cNvPr>
@@ -3106,18 +3142,18 @@
         </p:nvGrpSpPr>
         <p:grpSpPr>
           <a:xfrm>
-            <a:off x="558288" y="-138449"/>
-            <a:ext cx="2161546" cy="1992461"/>
-            <a:chOff x="558288" y="-138449"/>
-            <a:chExt cx="2161546" cy="1992461"/>
+            <a:off x="370405" y="360275"/>
+            <a:ext cx="1665830" cy="1452057"/>
+            <a:chOff x="497643" y="-55401"/>
+            <a:chExt cx="2222191" cy="1937022"/>
           </a:xfrm>
         </p:grpSpPr>
         <p:pic>
           <p:nvPicPr>
-            <p:cNvPr id="7" name="图片 6">
+            <p:cNvPr id="11" name="图片 10">
               <a:extLst>
                 <a:ext uri="{FF2B5EF4-FFF2-40B4-BE49-F238E27FC236}">
-                  <a16:creationId xmlns:a16="http://schemas.microsoft.com/office/drawing/2014/main" id="{47313D01-4DE3-6AE9-1304-8B849DB13C0F}"/>
+                  <a16:creationId xmlns:a16="http://schemas.microsoft.com/office/drawing/2014/main" id="{8BD66983-61AC-EBE8-8730-5B3DAB4C574D}"/>
                 </a:ext>
               </a:extLst>
             </p:cNvPr>
@@ -3126,22 +3162,21 @@
             </p:cNvPicPr>
             <p:nvPr/>
           </p:nvPicPr>
-          <p:blipFill>
-            <a:blip r:embed="rId2">
+          <p:blipFill rotWithShape="1">
+            <a:blip r:embed="rId3">
               <a:extLst>
                 <a:ext uri="{28A0092B-C50C-407E-A947-70E740481C1C}">
                   <a14:useLocalDpi xmlns:a14="http://schemas.microsoft.com/office/drawing/2010/main" val="0"/>
                 </a:ext>
               </a:extLst>
             </a:blip>
-            <a:stretch>
-              <a:fillRect/>
-            </a:stretch>
+            <a:srcRect b="32498"/>
+            <a:stretch/>
           </p:blipFill>
           <p:spPr>
             <a:xfrm>
-              <a:off x="558288" y="-138449"/>
-              <a:ext cx="1665102" cy="1665102"/>
+              <a:off x="497643" y="-55401"/>
+              <a:ext cx="1798318" cy="1213905"/>
             </a:xfrm>
             <a:prstGeom prst="rect">
               <a:avLst/>
@@ -3163,7 +3198,7 @@
             <p:nvPr/>
           </p:nvPicPr>
           <p:blipFill>
-            <a:blip r:embed="rId3">
+            <a:blip r:embed="rId4">
               <a:extLst>
                 <a:ext uri="{28A0092B-C50C-407E-A947-70E740481C1C}">
                   <a14:useLocalDpi xmlns:a14="http://schemas.microsoft.com/office/drawing/2010/main" val="0"/>
@@ -3176,7 +3211,7 @@
           </p:blipFill>
           <p:spPr>
             <a:xfrm>
-              <a:off x="1077277" y="901512"/>
+              <a:off x="1094457" y="929121"/>
               <a:ext cx="1452563" cy="952500"/>
             </a:xfrm>
             <a:prstGeom prst="rect">
@@ -3199,7 +3234,7 @@
             <p:nvPr/>
           </p:nvPicPr>
           <p:blipFill rotWithShape="1">
-            <a:blip r:embed="rId4">
+            <a:blip r:embed="rId5">
               <a:extLst>
                 <a:ext uri="{28A0092B-C50C-407E-A947-70E740481C1C}">
                   <a14:useLocalDpi xmlns:a14="http://schemas.microsoft.com/office/drawing/2010/main" val="0"/>
@@ -3220,41 +3255,6 @@
           </p:spPr>
         </p:pic>
       </p:grpSp>
-      <p:pic>
-        <p:nvPicPr>
-          <p:cNvPr id="11" name="图片 10">
-            <a:extLst>
-              <a:ext uri="{FF2B5EF4-FFF2-40B4-BE49-F238E27FC236}">
-                <a16:creationId xmlns:a16="http://schemas.microsoft.com/office/drawing/2014/main" id="{8BD66983-61AC-EBE8-8730-5B3DAB4C574D}"/>
-              </a:ext>
-            </a:extLst>
-          </p:cNvPr>
-          <p:cNvPicPr>
-            <a:picLocks noChangeAspect="1"/>
-          </p:cNvPicPr>
-          <p:nvPr/>
-        </p:nvPicPr>
-        <p:blipFill rotWithShape="1">
-          <a:blip r:embed="rId5">
-            <a:extLst>
-              <a:ext uri="{28A0092B-C50C-407E-A947-70E740481C1C}">
-                <a14:useLocalDpi xmlns:a14="http://schemas.microsoft.com/office/drawing/2010/main" val="0"/>
-              </a:ext>
-            </a:extLst>
-          </a:blip>
-          <a:srcRect b="32498"/>
-          <a:stretch/>
-        </p:blipFill>
-        <p:spPr>
-          <a:xfrm>
-            <a:off x="7284455" y="17558"/>
-            <a:ext cx="1798318" cy="1213905"/>
-          </a:xfrm>
-          <a:prstGeom prst="rect">
-            <a:avLst/>
-          </a:prstGeom>
-        </p:spPr>
-      </p:pic>
       <p:sp>
         <p:nvSpPr>
           <p:cNvPr id="13" name="文本框 12">
@@ -3269,8 +3269,8 @@
         </p:nvSpPr>
         <p:spPr>
           <a:xfrm>
-            <a:off x="1087531" y="6267155"/>
-            <a:ext cx="7578538" cy="707886"/>
+            <a:off x="2036235" y="6299263"/>
+            <a:ext cx="5681130" cy="553741"/>
           </a:xfrm>
           <a:prstGeom prst="rect">
             <a:avLst/>
@@ -3285,29 +3285,29 @@
           <a:p>
             <a:pPr algn="ctr"/>
             <a:r>
-              <a:rPr lang="en-US" altLang="zh-CN" sz="2000" dirty="0"/>
+              <a:rPr lang="en-US" altLang="zh-CN" sz="1499" dirty="0"/>
               <a:t>“Bootloader for </a:t>
             </a:r>
             <a:r>
-              <a:rPr lang="en-US" altLang="zh-CN" sz="2000" dirty="0" err="1"/>
+              <a:rPr lang="en-US" altLang="zh-CN" sz="1499" dirty="0" err="1"/>
               <a:t>BlissOS</a:t>
             </a:r>
             <a:r>
-              <a:rPr lang="en-US" altLang="zh-CN" sz="2000" dirty="0"/>
+              <a:rPr lang="en-US" altLang="zh-CN" sz="1499" dirty="0"/>
               <a:t>” &lt;=&gt; B4B &lt;=&gt; ”Before B”  &lt;=&gt; A &lt;=&gt; Ace &lt;=&gt; S</a:t>
             </a:r>
           </a:p>
           <a:p>
             <a:pPr algn="ctr"/>
             <a:r>
-              <a:rPr lang="en-US" altLang="zh-CN" sz="2000" dirty="0" err="1"/>
+              <a:rPr lang="en-US" altLang="zh-CN" sz="1499" dirty="0" err="1"/>
               <a:t>Ahhhaaaaaa</a:t>
             </a:r>
             <a:r>
-              <a:rPr lang="en-US" altLang="zh-CN" sz="2000" dirty="0"/>
+              <a:rPr lang="en-US" altLang="zh-CN" sz="1499" dirty="0"/>
               <a:t>? Nope. However, welcome to test it.</a:t>
             </a:r>
-            <a:endParaRPr lang="zh-CN" altLang="en-US" sz="2000" dirty="0"/>
+            <a:endParaRPr lang="zh-CN" altLang="en-US" sz="1499" dirty="0"/>
           </a:p>
         </p:txBody>
       </p:sp>
@@ -3579,7 +3579,7 @@
   <a:extraClrSchemeLst/>
   <a:extLst>
     <a:ext uri="{05A4C25C-085E-4340-85A3-A5531E510DB2}">
-      <thm15:themeFamily xmlns:thm15="http://schemas.microsoft.com/office/thememl/2012/main" name="Office Theme" id="{62F939B6-93AF-4DB8-9C6B-D6C7DFDC589F}" vid="{4A3C46E8-61CC-4603-A589-7422A47A8E4A}"/>
+      <thm15:themeFamily xmlns:thm15="http://schemas.microsoft.com/office/thememl/2012/main" name="Office Theme 2013 - 2022" id="{62F939B6-93AF-4DB8-9C6B-D6C7DFDC589F}" vid="{4A3C46E8-61CC-4603-A589-7422A47A8E4A}"/>
     </a:ext>
   </a:extLst>
 </a:theme>
